--- a/Présentation.pptx
+++ b/Présentation.pptx
@@ -13,6 +13,7 @@
     <p:sldId id="261" r:id="rId7"/>
     <p:sldId id="262" r:id="rId8"/>
     <p:sldId id="263" r:id="rId9"/>
+    <p:sldId id="264" r:id="rId10"/>
   </p:sldIdLst>
   <p:sldSz cx="12192000" cy="6858000"/>
   <p:notesSz cx="6858000" cy="9144000"/>
@@ -111,13 +112,18 @@
       </a:defRPr>
     </a:lvl9pPr>
   </p:defaultTextStyle>
+  <p:extLst>
+    <p:ext uri="{EFAFB233-063F-42B5-8137-9DF3F51BA10A}">
+      <p15:sldGuideLst xmlns:p15="http://schemas.microsoft.com/office/powerpoint/2012/main"/>
+    </p:ext>
+  </p:extLst>
 </p:presentation>
 </file>
 
 <file path=ppt/revisionInfo.xml><?xml version="1.0" encoding="utf-8"?>
 <p1510:revInfo xmlns:a="http://schemas.openxmlformats.org/drawingml/2006/main" xmlns:r="http://schemas.openxmlformats.org/officeDocument/2006/relationships" xmlns:p1510="http://schemas.microsoft.com/office/powerpoint/2015/10/main">
   <p1510:revLst>
-    <p1510:client id="{B26ADC3D-EBBE-435C-A8F1-C9C2B850A34E}" v="4" dt="2022-01-20T14:01:40.955"/>
+    <p1510:client id="{B26ADC3D-EBBE-435C-A8F1-C9C2B850A34E}" v="6" dt="2022-01-21T09:46:31.954"/>
   </p1510:revLst>
 </p1510:revInfo>
 </file>
@@ -127,7 +133,7 @@
   <pc:docChgLst>
     <pc:chgData name="Sven Volery" userId="cc4afd082da7e4df" providerId="LiveId" clId="{B26ADC3D-EBBE-435C-A8F1-C9C2B850A34E}"/>
     <pc:docChg chg="undo custSel addSld modSld modMainMaster">
-      <pc:chgData name="Sven Volery" userId="cc4afd082da7e4df" providerId="LiveId" clId="{B26ADC3D-EBBE-435C-A8F1-C9C2B850A34E}" dt="2022-01-20T14:14:02.084" v="929" actId="27636"/>
+      <pc:chgData name="Sven Volery" userId="cc4afd082da7e4df" providerId="LiveId" clId="{B26ADC3D-EBBE-435C-A8F1-C9C2B850A34E}" dt="2022-01-21T09:46:45.441" v="1009" actId="14"/>
       <pc:docMkLst>
         <pc:docMk/>
       </pc:docMkLst>
@@ -192,6 +198,21 @@
           </ac:spMkLst>
         </pc:spChg>
       </pc:sldChg>
+      <pc:sldChg chg="modSp add mod">
+        <pc:chgData name="Sven Volery" userId="cc4afd082da7e4df" providerId="LiveId" clId="{B26ADC3D-EBBE-435C-A8F1-C9C2B850A34E}" dt="2022-01-21T09:46:45.441" v="1009" actId="14"/>
+        <pc:sldMkLst>
+          <pc:docMk/>
+          <pc:sldMk cId="1111916666" sldId="264"/>
+        </pc:sldMkLst>
+        <pc:spChg chg="mod">
+          <ac:chgData name="Sven Volery" userId="cc4afd082da7e4df" providerId="LiveId" clId="{B26ADC3D-EBBE-435C-A8F1-C9C2B850A34E}" dt="2022-01-21T09:46:45.441" v="1009" actId="14"/>
+          <ac:spMkLst>
+            <pc:docMk/>
+            <pc:sldMk cId="1111916666" sldId="264"/>
+            <ac:spMk id="3" creationId="{0EACAB4F-0181-47CD-82C6-7DB6B9E9BAF0}"/>
+          </ac:spMkLst>
+        </pc:spChg>
+      </pc:sldChg>
       <pc:sldMasterChg chg="modSldLayout">
         <pc:chgData name="Sven Volery" userId="cc4afd082da7e4df" providerId="LiveId" clId="{B26ADC3D-EBBE-435C-A8F1-C9C2B850A34E}" dt="2022-01-20T13:34:23.045" v="1" actId="242"/>
         <pc:sldMasterMkLst>
@@ -391,7 +412,7 @@
             <a:fld id="{87DE6118-2437-4B30-8E3C-4D2BE6020583}" type="datetimeFigureOut">
               <a:rPr lang="en-US" dirty="0"/>
               <a:pPr/>
-              <a:t>1/20/2022</a:t>
+              <a:t>1/21/2022</a:t>
             </a:fld>
             <a:endParaRPr lang="en-US" dirty="0"/>
           </a:p>
@@ -717,7 +738,7 @@
           <a:p>
             <a:fld id="{87DE6118-2437-4B30-8E3C-4D2BE6020583}" type="datetimeFigureOut">
               <a:rPr lang="en-US" dirty="0"/>
-              <a:t>1/20/2022</a:t>
+              <a:t>1/21/2022</a:t>
             </a:fld>
             <a:endParaRPr lang="en-US" dirty="0"/>
           </a:p>
@@ -892,7 +913,7 @@
           <a:p>
             <a:fld id="{87DE6118-2437-4B30-8E3C-4D2BE6020583}" type="datetimeFigureOut">
               <a:rPr lang="en-US" dirty="0"/>
-              <a:t>1/20/2022</a:t>
+              <a:t>1/21/2022</a:t>
             </a:fld>
             <a:endParaRPr lang="en-US" dirty="0"/>
           </a:p>
@@ -1061,7 +1082,7 @@
           <a:p>
             <a:fld id="{87DE6118-2437-4B30-8E3C-4D2BE6020583}" type="datetimeFigureOut">
               <a:rPr lang="en-US" dirty="0"/>
-              <a:t>1/20/2022</a:t>
+              <a:t>1/21/2022</a:t>
             </a:fld>
             <a:endParaRPr lang="en-US" dirty="0"/>
           </a:p>
@@ -1334,7 +1355,7 @@
             <a:fld id="{87DE6118-2437-4B30-8E3C-4D2BE6020583}" type="datetimeFigureOut">
               <a:rPr lang="en-US" dirty="0"/>
               <a:pPr/>
-              <a:t>1/20/2022</a:t>
+              <a:t>1/21/2022</a:t>
             </a:fld>
             <a:endParaRPr lang="en-US" dirty="0"/>
           </a:p>
@@ -1724,7 +1745,7 @@
           <a:p>
             <a:fld id="{87DE6118-2437-4B30-8E3C-4D2BE6020583}" type="datetimeFigureOut">
               <a:rPr lang="en-US" dirty="0"/>
-              <a:t>1/20/2022</a:t>
+              <a:t>1/21/2022</a:t>
             </a:fld>
             <a:endParaRPr lang="en-US" dirty="0"/>
           </a:p>
@@ -2196,7 +2217,7 @@
           <a:p>
             <a:fld id="{87DE6118-2437-4B30-8E3C-4D2BE6020583}" type="datetimeFigureOut">
               <a:rPr lang="en-US" dirty="0"/>
-              <a:t>1/20/2022</a:t>
+              <a:t>1/21/2022</a:t>
             </a:fld>
             <a:endParaRPr lang="en-US" dirty="0"/>
           </a:p>
@@ -2309,7 +2330,7 @@
           <a:p>
             <a:fld id="{87DE6118-2437-4B30-8E3C-4D2BE6020583}" type="datetimeFigureOut">
               <a:rPr lang="en-US" dirty="0"/>
-              <a:t>1/20/2022</a:t>
+              <a:t>1/21/2022</a:t>
             </a:fld>
             <a:endParaRPr lang="en-US" dirty="0"/>
           </a:p>
@@ -2399,7 +2420,7 @@
           <a:p>
             <a:fld id="{87DE6118-2437-4B30-8E3C-4D2BE6020583}" type="datetimeFigureOut">
               <a:rPr lang="en-US" dirty="0"/>
-              <a:t>1/20/2022</a:t>
+              <a:t>1/21/2022</a:t>
             </a:fld>
             <a:endParaRPr lang="en-US" dirty="0"/>
           </a:p>
@@ -2741,7 +2762,7 @@
             <a:fld id="{87DE6118-2437-4B30-8E3C-4D2BE6020583}" type="datetimeFigureOut">
               <a:rPr lang="en-US" dirty="0"/>
               <a:pPr/>
-              <a:t>1/20/2022</a:t>
+              <a:t>1/21/2022</a:t>
             </a:fld>
             <a:endParaRPr lang="en-US" dirty="0"/>
           </a:p>
@@ -3126,7 +3147,7 @@
             <a:fld id="{87DE6118-2437-4B30-8E3C-4D2BE6020583}" type="datetimeFigureOut">
               <a:rPr lang="en-US" dirty="0"/>
               <a:pPr/>
-              <a:t>1/20/2022</a:t>
+              <a:t>1/21/2022</a:t>
             </a:fld>
             <a:endParaRPr lang="en-US" dirty="0"/>
           </a:p>
@@ -3403,7 +3424,7 @@
             <a:fld id="{87DE6118-2437-4B30-8E3C-4D2BE6020583}" type="datetimeFigureOut">
               <a:rPr lang="en-US" smtClean="0"/>
               <a:pPr/>
-              <a:t>1/20/2022</a:t>
+              <a:t>1/21/2022</a:t>
             </a:fld>
             <a:endParaRPr lang="en-US" dirty="0"/>
           </a:p>
@@ -5602,6 +5623,176 @@
 </p:sld>
 </file>
 
+<file path=ppt/slides/slide9.xml><?xml version="1.0" encoding="utf-8"?>
+<p:sld xmlns:a="http://schemas.openxmlformats.org/drawingml/2006/main" xmlns:r="http://schemas.openxmlformats.org/officeDocument/2006/relationships" xmlns:p="http://schemas.openxmlformats.org/presentationml/2006/main">
+  <p:cSld>
+    <p:spTree>
+      <p:nvGrpSpPr>
+        <p:cNvPr id="1" name=""/>
+        <p:cNvGrpSpPr/>
+        <p:nvPr/>
+      </p:nvGrpSpPr>
+      <p:grpSpPr>
+        <a:xfrm>
+          <a:off x="0" y="0"/>
+          <a:ext cx="0" cy="0"/>
+          <a:chOff x="0" y="0"/>
+          <a:chExt cx="0" cy="0"/>
+        </a:xfrm>
+      </p:grpSpPr>
+      <p:sp>
+        <p:nvSpPr>
+          <p:cNvPr id="2" name="Titre 1">
+            <a:extLst>
+              <a:ext uri="{FF2B5EF4-FFF2-40B4-BE49-F238E27FC236}">
+                <a16:creationId xmlns:a16="http://schemas.microsoft.com/office/drawing/2014/main" id="{D059722A-F738-4622-8501-3DEE8BAFF63C}"/>
+              </a:ext>
+            </a:extLst>
+          </p:cNvPr>
+          <p:cNvSpPr>
+            <a:spLocks noGrp="1"/>
+          </p:cNvSpPr>
+          <p:nvPr>
+            <p:ph type="title"/>
+          </p:nvPr>
+        </p:nvSpPr>
+        <p:spPr/>
+        <p:txBody>
+          <a:bodyPr/>
+          <a:lstStyle/>
+          <a:p>
+            <a:r>
+              <a:rPr lang="fr-FR" dirty="0"/>
+              <a:t>Scénario</a:t>
+            </a:r>
+          </a:p>
+        </p:txBody>
+      </p:sp>
+      <p:sp>
+        <p:nvSpPr>
+          <p:cNvPr id="3" name="Espace réservé du contenu 2">
+            <a:extLst>
+              <a:ext uri="{FF2B5EF4-FFF2-40B4-BE49-F238E27FC236}">
+                <a16:creationId xmlns:a16="http://schemas.microsoft.com/office/drawing/2014/main" id="{0EACAB4F-0181-47CD-82C6-7DB6B9E9BAF0}"/>
+              </a:ext>
+            </a:extLst>
+          </p:cNvPr>
+          <p:cNvSpPr>
+            <a:spLocks noGrp="1"/>
+          </p:cNvSpPr>
+          <p:nvPr>
+            <p:ph idx="1"/>
+          </p:nvPr>
+        </p:nvSpPr>
+        <p:spPr>
+          <a:xfrm>
+            <a:off x="1371600" y="2286000"/>
+            <a:ext cx="9601200" cy="3886200"/>
+          </a:xfrm>
+        </p:spPr>
+        <p:txBody>
+          <a:bodyPr>
+            <a:normAutofit/>
+          </a:bodyPr>
+          <a:lstStyle/>
+          <a:p>
+            <a:pPr marL="0" indent="0">
+              <a:lnSpc>
+                <a:spcPct val="110000"/>
+              </a:lnSpc>
+              <a:buNone/>
+            </a:pPr>
+            <a:r>
+              <a:rPr lang="fr-FR" dirty="0"/>
+              <a:t>Informations concernant le ticket</a:t>
+            </a:r>
+          </a:p>
+          <a:p>
+            <a:pPr>
+              <a:lnSpc>
+                <a:spcPct val="110000"/>
+              </a:lnSpc>
+            </a:pPr>
+            <a:r>
+              <a:rPr lang="fr-FR" dirty="0"/>
+              <a:t>Se connecter en temps que techniciens</a:t>
+            </a:r>
+          </a:p>
+          <a:p>
+            <a:pPr lvl="1">
+              <a:lnSpc>
+                <a:spcPct val="110000"/>
+              </a:lnSpc>
+            </a:pPr>
+            <a:r>
+              <a:rPr lang="fr-FR" dirty="0"/>
+              <a:t>Email : </a:t>
+            </a:r>
+            <a:r>
+              <a:rPr lang="fr-FR" dirty="0" err="1">
+                <a:hlinkClick r:id="rId2"/>
+              </a:rPr>
+              <a:t>a@a.a</a:t>
+            </a:r>
+            <a:endParaRPr lang="fr-FR" dirty="0"/>
+          </a:p>
+          <a:p>
+            <a:pPr lvl="1">
+              <a:lnSpc>
+                <a:spcPct val="110000"/>
+              </a:lnSpc>
+            </a:pPr>
+            <a:r>
+              <a:rPr lang="fr-FR" dirty="0"/>
+              <a:t>Mot de passe : a</a:t>
+            </a:r>
+          </a:p>
+          <a:p>
+            <a:pPr>
+              <a:lnSpc>
+                <a:spcPct val="110000"/>
+              </a:lnSpc>
+            </a:pPr>
+            <a:endParaRPr lang="fr-FR" dirty="0"/>
+          </a:p>
+          <a:p>
+            <a:pPr lvl="1">
+              <a:lnSpc>
+                <a:spcPct val="110000"/>
+              </a:lnSpc>
+            </a:pPr>
+            <a:endParaRPr lang="fr-FR" dirty="0"/>
+          </a:p>
+          <a:p>
+            <a:pPr lvl="1">
+              <a:lnSpc>
+                <a:spcPct val="110000"/>
+              </a:lnSpc>
+            </a:pPr>
+            <a:endParaRPr lang="fr-FR" dirty="0"/>
+          </a:p>
+          <a:p>
+            <a:pPr lvl="1"/>
+            <a:endParaRPr lang="fr-FR" dirty="0"/>
+          </a:p>
+          <a:p>
+            <a:endParaRPr lang="fr-FR" dirty="0"/>
+          </a:p>
+        </p:txBody>
+      </p:sp>
+    </p:spTree>
+    <p:extLst>
+      <p:ext uri="{BB962C8B-B14F-4D97-AF65-F5344CB8AC3E}">
+        <p14:creationId xmlns:p14="http://schemas.microsoft.com/office/powerpoint/2010/main" val="1111916666"/>
+      </p:ext>
+    </p:extLst>
+  </p:cSld>
+  <p:clrMapOvr>
+    <a:masterClrMapping/>
+  </p:clrMapOvr>
+</p:sld>
+</file>
+
 <file path=ppt/theme/theme1.xml><?xml version="1.0" encoding="utf-8"?>
 <a:theme xmlns:a="http://schemas.openxmlformats.org/drawingml/2006/main" name="Cadrage">
   <a:themeElements>
